--- a/Сайт_Яндекс.pptx
+++ b/Сайт_Яндекс.pptx
@@ -109,6 +109,11 @@
       </a:defRPr>
     </a:lvl9pPr>
   </p:defaultTextStyle>
+  <p:extLst>
+    <p:ext uri="{EFAFB233-063F-42B5-8137-9DF3F51BA10A}">
+      <p15:sldGuideLst xmlns:p15="http://schemas.microsoft.com/office/powerpoint/2012/main"/>
+    </p:ext>
+  </p:extLst>
 </p:presentation>
 </file>
 
@@ -259,7 +264,7 @@
           <a:p>
             <a:fld id="{39E5B289-7159-4910-AD06-59621C84CAAB}" type="datetimeFigureOut">
               <a:rPr lang="ru-RU" smtClean="0"/>
-              <a:t>21.04.2019</a:t>
+              <a:t>22.04.2019</a:t>
             </a:fld>
             <a:endParaRPr lang="ru-RU"/>
           </a:p>
@@ -457,7 +462,7 @@
           <a:p>
             <a:fld id="{39E5B289-7159-4910-AD06-59621C84CAAB}" type="datetimeFigureOut">
               <a:rPr lang="ru-RU" smtClean="0"/>
-              <a:t>21.04.2019</a:t>
+              <a:t>22.04.2019</a:t>
             </a:fld>
             <a:endParaRPr lang="ru-RU"/>
           </a:p>
@@ -665,7 +670,7 @@
           <a:p>
             <a:fld id="{39E5B289-7159-4910-AD06-59621C84CAAB}" type="datetimeFigureOut">
               <a:rPr lang="ru-RU" smtClean="0"/>
-              <a:t>21.04.2019</a:t>
+              <a:t>22.04.2019</a:t>
             </a:fld>
             <a:endParaRPr lang="ru-RU"/>
           </a:p>
@@ -863,7 +868,7 @@
           <a:p>
             <a:fld id="{39E5B289-7159-4910-AD06-59621C84CAAB}" type="datetimeFigureOut">
               <a:rPr lang="ru-RU" smtClean="0"/>
-              <a:t>21.04.2019</a:t>
+              <a:t>22.04.2019</a:t>
             </a:fld>
             <a:endParaRPr lang="ru-RU"/>
           </a:p>
@@ -1138,7 +1143,7 @@
           <a:p>
             <a:fld id="{39E5B289-7159-4910-AD06-59621C84CAAB}" type="datetimeFigureOut">
               <a:rPr lang="ru-RU" smtClean="0"/>
-              <a:t>21.04.2019</a:t>
+              <a:t>22.04.2019</a:t>
             </a:fld>
             <a:endParaRPr lang="ru-RU"/>
           </a:p>
@@ -1403,7 +1408,7 @@
           <a:p>
             <a:fld id="{39E5B289-7159-4910-AD06-59621C84CAAB}" type="datetimeFigureOut">
               <a:rPr lang="ru-RU" smtClean="0"/>
-              <a:t>21.04.2019</a:t>
+              <a:t>22.04.2019</a:t>
             </a:fld>
             <a:endParaRPr lang="ru-RU"/>
           </a:p>
@@ -1815,7 +1820,7 @@
           <a:p>
             <a:fld id="{39E5B289-7159-4910-AD06-59621C84CAAB}" type="datetimeFigureOut">
               <a:rPr lang="ru-RU" smtClean="0"/>
-              <a:t>21.04.2019</a:t>
+              <a:t>22.04.2019</a:t>
             </a:fld>
             <a:endParaRPr lang="ru-RU"/>
           </a:p>
@@ -1956,7 +1961,7 @@
           <a:p>
             <a:fld id="{39E5B289-7159-4910-AD06-59621C84CAAB}" type="datetimeFigureOut">
               <a:rPr lang="ru-RU" smtClean="0"/>
-              <a:t>21.04.2019</a:t>
+              <a:t>22.04.2019</a:t>
             </a:fld>
             <a:endParaRPr lang="ru-RU"/>
           </a:p>
@@ -2069,7 +2074,7 @@
           <a:p>
             <a:fld id="{39E5B289-7159-4910-AD06-59621C84CAAB}" type="datetimeFigureOut">
               <a:rPr lang="ru-RU" smtClean="0"/>
-              <a:t>21.04.2019</a:t>
+              <a:t>22.04.2019</a:t>
             </a:fld>
             <a:endParaRPr lang="ru-RU"/>
           </a:p>
@@ -2380,7 +2385,7 @@
           <a:p>
             <a:fld id="{39E5B289-7159-4910-AD06-59621C84CAAB}" type="datetimeFigureOut">
               <a:rPr lang="ru-RU" smtClean="0"/>
-              <a:t>21.04.2019</a:t>
+              <a:t>22.04.2019</a:t>
             </a:fld>
             <a:endParaRPr lang="ru-RU"/>
           </a:p>
@@ -2668,7 +2673,7 @@
           <a:p>
             <a:fld id="{39E5B289-7159-4910-AD06-59621C84CAAB}" type="datetimeFigureOut">
               <a:rPr lang="ru-RU" smtClean="0"/>
-              <a:t>21.04.2019</a:t>
+              <a:t>22.04.2019</a:t>
             </a:fld>
             <a:endParaRPr lang="ru-RU"/>
           </a:p>
@@ -2918,7 +2923,7 @@
           <a:p>
             <a:fld id="{39E5B289-7159-4910-AD06-59621C84CAAB}" type="datetimeFigureOut">
               <a:rPr lang="ru-RU" smtClean="0"/>
-              <a:t>21.04.2019</a:t>
+              <a:t>22.04.2019</a:t>
             </a:fld>
             <a:endParaRPr lang="ru-RU"/>
           </a:p>
@@ -3773,6 +3778,40 @@
               <a:t>Может изменять статус посылки и просматривать ее код</a:t>
             </a:r>
           </a:p>
+          <a:p>
+            <a:r>
+              <a:rPr lang="ru-RU" dirty="0">
+                <a:latin typeface="Times New Roman" panose="02020603050405020304" pitchFamily="18" charset="0"/>
+                <a:cs typeface="Times New Roman" panose="02020603050405020304" pitchFamily="18" charset="0"/>
+              </a:rPr>
+              <a:t>После сознания учителя стоит </a:t>
+            </a:r>
+            <a:r>
+              <a:rPr lang="ru-RU" dirty="0" err="1">
+                <a:latin typeface="Times New Roman" panose="02020603050405020304" pitchFamily="18" charset="0"/>
+                <a:cs typeface="Times New Roman" panose="02020603050405020304" pitchFamily="18" charset="0"/>
+              </a:rPr>
+              <a:t>перезайти</a:t>
+            </a:r>
+            <a:r>
+              <a:rPr lang="ru-RU" dirty="0">
+                <a:latin typeface="Times New Roman" panose="02020603050405020304" pitchFamily="18" charset="0"/>
+                <a:cs typeface="Times New Roman" panose="02020603050405020304" pitchFamily="18" charset="0"/>
+              </a:rPr>
+              <a:t> в программу так как нужно обработать </a:t>
+            </a:r>
+            <a:r>
+              <a:rPr lang="ru-RU">
+                <a:latin typeface="Times New Roman" panose="02020603050405020304" pitchFamily="18" charset="0"/>
+                <a:cs typeface="Times New Roman" panose="02020603050405020304" pitchFamily="18" charset="0"/>
+              </a:rPr>
+              <a:t>базу данных</a:t>
+            </a:r>
+            <a:endParaRPr lang="ru-RU" dirty="0">
+              <a:latin typeface="Times New Roman" panose="02020603050405020304" pitchFamily="18" charset="0"/>
+              <a:cs typeface="Times New Roman" panose="02020603050405020304" pitchFamily="18" charset="0"/>
+            </a:endParaRPr>
+          </a:p>
         </p:txBody>
       </p:sp>
     </p:spTree>

--- a/Сайт_Яндекс.pptx
+++ b/Сайт_Яндекс.pptx
@@ -264,7 +264,7 @@
           <a:p>
             <a:fld id="{39E5B289-7159-4910-AD06-59621C84CAAB}" type="datetimeFigureOut">
               <a:rPr lang="ru-RU" smtClean="0"/>
-              <a:t>22.04.2019</a:t>
+              <a:t>11.05.2019</a:t>
             </a:fld>
             <a:endParaRPr lang="ru-RU"/>
           </a:p>
@@ -462,7 +462,7 @@
           <a:p>
             <a:fld id="{39E5B289-7159-4910-AD06-59621C84CAAB}" type="datetimeFigureOut">
               <a:rPr lang="ru-RU" smtClean="0"/>
-              <a:t>22.04.2019</a:t>
+              <a:t>11.05.2019</a:t>
             </a:fld>
             <a:endParaRPr lang="ru-RU"/>
           </a:p>
@@ -670,7 +670,7 @@
           <a:p>
             <a:fld id="{39E5B289-7159-4910-AD06-59621C84CAAB}" type="datetimeFigureOut">
               <a:rPr lang="ru-RU" smtClean="0"/>
-              <a:t>22.04.2019</a:t>
+              <a:t>11.05.2019</a:t>
             </a:fld>
             <a:endParaRPr lang="ru-RU"/>
           </a:p>
@@ -868,7 +868,7 @@
           <a:p>
             <a:fld id="{39E5B289-7159-4910-AD06-59621C84CAAB}" type="datetimeFigureOut">
               <a:rPr lang="ru-RU" smtClean="0"/>
-              <a:t>22.04.2019</a:t>
+              <a:t>11.05.2019</a:t>
             </a:fld>
             <a:endParaRPr lang="ru-RU"/>
           </a:p>
@@ -1143,7 +1143,7 @@
           <a:p>
             <a:fld id="{39E5B289-7159-4910-AD06-59621C84CAAB}" type="datetimeFigureOut">
               <a:rPr lang="ru-RU" smtClean="0"/>
-              <a:t>22.04.2019</a:t>
+              <a:t>11.05.2019</a:t>
             </a:fld>
             <a:endParaRPr lang="ru-RU"/>
           </a:p>
@@ -1408,7 +1408,7 @@
           <a:p>
             <a:fld id="{39E5B289-7159-4910-AD06-59621C84CAAB}" type="datetimeFigureOut">
               <a:rPr lang="ru-RU" smtClean="0"/>
-              <a:t>22.04.2019</a:t>
+              <a:t>11.05.2019</a:t>
             </a:fld>
             <a:endParaRPr lang="ru-RU"/>
           </a:p>
@@ -1820,7 +1820,7 @@
           <a:p>
             <a:fld id="{39E5B289-7159-4910-AD06-59621C84CAAB}" type="datetimeFigureOut">
               <a:rPr lang="ru-RU" smtClean="0"/>
-              <a:t>22.04.2019</a:t>
+              <a:t>11.05.2019</a:t>
             </a:fld>
             <a:endParaRPr lang="ru-RU"/>
           </a:p>
@@ -1961,7 +1961,7 @@
           <a:p>
             <a:fld id="{39E5B289-7159-4910-AD06-59621C84CAAB}" type="datetimeFigureOut">
               <a:rPr lang="ru-RU" smtClean="0"/>
-              <a:t>22.04.2019</a:t>
+              <a:t>11.05.2019</a:t>
             </a:fld>
             <a:endParaRPr lang="ru-RU"/>
           </a:p>
@@ -2074,7 +2074,7 @@
           <a:p>
             <a:fld id="{39E5B289-7159-4910-AD06-59621C84CAAB}" type="datetimeFigureOut">
               <a:rPr lang="ru-RU" smtClean="0"/>
-              <a:t>22.04.2019</a:t>
+              <a:t>11.05.2019</a:t>
             </a:fld>
             <a:endParaRPr lang="ru-RU"/>
           </a:p>
@@ -2385,7 +2385,7 @@
           <a:p>
             <a:fld id="{39E5B289-7159-4910-AD06-59621C84CAAB}" type="datetimeFigureOut">
               <a:rPr lang="ru-RU" smtClean="0"/>
-              <a:t>22.04.2019</a:t>
+              <a:t>11.05.2019</a:t>
             </a:fld>
             <a:endParaRPr lang="ru-RU"/>
           </a:p>
@@ -2673,7 +2673,7 @@
           <a:p>
             <a:fld id="{39E5B289-7159-4910-AD06-59621C84CAAB}" type="datetimeFigureOut">
               <a:rPr lang="ru-RU" smtClean="0"/>
-              <a:t>22.04.2019</a:t>
+              <a:t>11.05.2019</a:t>
             </a:fld>
             <a:endParaRPr lang="ru-RU"/>
           </a:p>
@@ -2757,7 +2757,7 @@
           </a:blip>
           <a:srcRect/>
           <a:stretch>
-            <a:fillRect l="-2000" r="-2000"/>
+            <a:fillRect t="-17000" b="-17000"/>
           </a:stretch>
         </a:blipFill>
         <a:effectLst/>
@@ -2923,7 +2923,7 @@
           <a:p>
             <a:fld id="{39E5B289-7159-4910-AD06-59621C84CAAB}" type="datetimeFigureOut">
               <a:rPr lang="ru-RU" smtClean="0"/>
-              <a:t>22.04.2019</a:t>
+              <a:t>11.05.2019</a:t>
             </a:fld>
             <a:endParaRPr lang="ru-RU"/>
           </a:p>
@@ -3798,19 +3798,8 @@
                 <a:latin typeface="Times New Roman" panose="02020603050405020304" pitchFamily="18" charset="0"/>
                 <a:cs typeface="Times New Roman" panose="02020603050405020304" pitchFamily="18" charset="0"/>
               </a:rPr>
-              <a:t> в программу так как нужно обработать </a:t>
-            </a:r>
-            <a:r>
-              <a:rPr lang="ru-RU">
-                <a:latin typeface="Times New Roman" panose="02020603050405020304" pitchFamily="18" charset="0"/>
-                <a:cs typeface="Times New Roman" panose="02020603050405020304" pitchFamily="18" charset="0"/>
-              </a:rPr>
-              <a:t>базу данных</a:t>
-            </a:r>
-            <a:endParaRPr lang="ru-RU" dirty="0">
-              <a:latin typeface="Times New Roman" panose="02020603050405020304" pitchFamily="18" charset="0"/>
-              <a:cs typeface="Times New Roman" panose="02020603050405020304" pitchFamily="18" charset="0"/>
-            </a:endParaRPr>
+              <a:t> в программу так как нужно обработать базу данных</a:t>
+            </a:r>
           </a:p>
         </p:txBody>
       </p:sp>
@@ -4005,31 +3994,6 @@
               </a:rPr>
               <a:t>Спасибо за внимание</a:t>
             </a:r>
-          </a:p>
-        </p:txBody>
-      </p:sp>
-      <p:sp>
-        <p:nvSpPr>
-          <p:cNvPr id="3" name="Объект 2">
-            <a:extLst>
-              <a:ext uri="{FF2B5EF4-FFF2-40B4-BE49-F238E27FC236}">
-                <a16:creationId xmlns:a16="http://schemas.microsoft.com/office/drawing/2014/main" id="{C88E2CB1-50A3-4E1D-A2CD-03685B5A7ED7}"/>
-              </a:ext>
-            </a:extLst>
-          </p:cNvPr>
-          <p:cNvSpPr>
-            <a:spLocks noGrp="1"/>
-          </p:cNvSpPr>
-          <p:nvPr>
-            <p:ph idx="1"/>
-          </p:nvPr>
-        </p:nvSpPr>
-        <p:spPr/>
-        <p:txBody>
-          <a:bodyPr/>
-          <a:lstStyle/>
-          <a:p>
-            <a:endParaRPr lang="ru-RU"/>
           </a:p>
         </p:txBody>
       </p:sp>

--- a/Сайт_Яндекс.pptx
+++ b/Сайт_Яндекс.pptx
@@ -3484,7 +3484,7 @@
         </p:nvSpPr>
         <p:spPr>
           <a:xfrm>
-            <a:off x="838200" y="27195"/>
+            <a:off x="-3185160" y="2587515"/>
             <a:ext cx="10515600" cy="1325563"/>
           </a:xfrm>
         </p:spPr>
@@ -3521,7 +3521,7 @@
         </p:nvSpPr>
         <p:spPr>
           <a:xfrm>
-            <a:off x="500270" y="2141537"/>
+            <a:off x="6096000" y="1958657"/>
             <a:ext cx="5006008" cy="4351338"/>
           </a:xfrm>
         </p:spPr>
@@ -3594,7 +3594,12 @@
             <p:ph type="title"/>
           </p:nvPr>
         </p:nvSpPr>
-        <p:spPr/>
+        <p:spPr>
+          <a:xfrm>
+            <a:off x="-132470" y="2320534"/>
+            <a:ext cx="4521591" cy="1325563"/>
+          </a:xfrm>
+        </p:spPr>
         <p:txBody>
           <a:bodyPr/>
           <a:lstStyle/>
@@ -3628,17 +3633,14 @@
         </p:nvSpPr>
         <p:spPr>
           <a:xfrm>
-            <a:off x="838200" y="2300749"/>
-            <a:ext cx="4898923" cy="3996812"/>
+            <a:off x="5818163" y="1430594"/>
+            <a:ext cx="5829886" cy="3996812"/>
           </a:xfrm>
         </p:spPr>
         <p:txBody>
           <a:bodyPr/>
           <a:lstStyle/>
           <a:p>
-            <a:pPr marL="0" indent="0">
-              <a:buNone/>
-            </a:pPr>
             <a:r>
               <a:rPr lang="ru-RU" dirty="0">
                 <a:latin typeface="Times New Roman" panose="02020603050405020304" pitchFamily="18" charset="0"/>
@@ -3648,9 +3650,6 @@
             </a:r>
           </a:p>
           <a:p>
-            <a:pPr marL="0" indent="0">
-              <a:buNone/>
-            </a:pPr>
             <a:r>
               <a:rPr lang="ru-RU" dirty="0">
                 <a:latin typeface="Times New Roman" panose="02020603050405020304" pitchFamily="18" charset="0"/>
@@ -3660,15 +3659,25 @@
             </a:r>
           </a:p>
           <a:p>
-            <a:pPr marL="0" indent="0">
-              <a:buNone/>
-            </a:pPr>
             <a:r>
               <a:rPr lang="ru-RU" dirty="0">
                 <a:latin typeface="Times New Roman" panose="02020603050405020304" pitchFamily="18" charset="0"/>
                 <a:cs typeface="Times New Roman" panose="02020603050405020304" pitchFamily="18" charset="0"/>
               </a:rPr>
               <a:t>Видеть полный список своих задач, с их статусами</a:t>
+            </a:r>
+            <a:endParaRPr lang="en-US" dirty="0">
+              <a:latin typeface="Times New Roman" panose="02020603050405020304" pitchFamily="18" charset="0"/>
+              <a:cs typeface="Times New Roman" panose="02020603050405020304" pitchFamily="18" charset="0"/>
+            </a:endParaRPr>
+          </a:p>
+          <a:p>
+            <a:r>
+              <a:rPr lang="ru-RU" dirty="0">
+                <a:latin typeface="Times New Roman" panose="02020603050405020304" pitchFamily="18" charset="0"/>
+                <a:cs typeface="Times New Roman" panose="02020603050405020304" pitchFamily="18" charset="0"/>
+              </a:rPr>
+              <a:t>Может оставлять комментарий к своей задаче или писать учителю в личный чат</a:t>
             </a:r>
           </a:p>
         </p:txBody>
@@ -3719,7 +3728,12 @@
             <p:ph type="title"/>
           </p:nvPr>
         </p:nvSpPr>
-        <p:spPr/>
+        <p:spPr>
+          <a:xfrm>
+            <a:off x="-2566182" y="2545617"/>
+            <a:ext cx="10515600" cy="1325563"/>
+          </a:xfrm>
+        </p:spPr>
         <p:txBody>
           <a:bodyPr/>
           <a:lstStyle/>
@@ -3753,8 +3767,8 @@
         </p:nvSpPr>
         <p:spPr>
           <a:xfrm>
-            <a:off x="838200" y="1342103"/>
-            <a:ext cx="4839929" cy="5150772"/>
+            <a:off x="6096000" y="860694"/>
+            <a:ext cx="4839929" cy="6020972"/>
           </a:xfrm>
         </p:spPr>
         <p:txBody>
@@ -3784,21 +3798,7 @@
                 <a:latin typeface="Times New Roman" panose="02020603050405020304" pitchFamily="18" charset="0"/>
                 <a:cs typeface="Times New Roman" panose="02020603050405020304" pitchFamily="18" charset="0"/>
               </a:rPr>
-              <a:t>После сознания учителя стоит </a:t>
-            </a:r>
-            <a:r>
-              <a:rPr lang="ru-RU" dirty="0" err="1">
-                <a:latin typeface="Times New Roman" panose="02020603050405020304" pitchFamily="18" charset="0"/>
-                <a:cs typeface="Times New Roman" panose="02020603050405020304" pitchFamily="18" charset="0"/>
-              </a:rPr>
-              <a:t>перезайти</a:t>
-            </a:r>
-            <a:r>
-              <a:rPr lang="ru-RU" dirty="0">
-                <a:latin typeface="Times New Roman" panose="02020603050405020304" pitchFamily="18" charset="0"/>
-                <a:cs typeface="Times New Roman" panose="02020603050405020304" pitchFamily="18" charset="0"/>
-              </a:rPr>
-              <a:t> в программу так как нужно обработать базу данных</a:t>
+              <a:t>Может оставлять комментарий к задаче своего ученика и писать ему в личный чат</a:t>
             </a:r>
           </a:p>
         </p:txBody>
@@ -3849,7 +3849,12 @@
             <p:ph type="title"/>
           </p:nvPr>
         </p:nvSpPr>
-        <p:spPr/>
+        <p:spPr>
+          <a:xfrm>
+            <a:off x="-2875670" y="2531550"/>
+            <a:ext cx="10515600" cy="1325563"/>
+          </a:xfrm>
+        </p:spPr>
         <p:txBody>
           <a:bodyPr/>
           <a:lstStyle/>
@@ -3883,7 +3888,7 @@
         </p:nvSpPr>
         <p:spPr>
           <a:xfrm>
-            <a:off x="838200" y="1357261"/>
+            <a:off x="6096000" y="1690688"/>
             <a:ext cx="5075903" cy="5135614"/>
           </a:xfrm>
         </p:spPr>
@@ -3905,33 +3910,8 @@
                 <a:latin typeface="Times New Roman" panose="02020603050405020304" pitchFamily="18" charset="0"/>
                 <a:cs typeface="Times New Roman" panose="02020603050405020304" pitchFamily="18" charset="0"/>
               </a:rPr>
-              <a:t>Имеет доступ почти ко всем страницам пользователей (кроме удаления или изменения </a:t>
-            </a:r>
-            <a:r>
-              <a:rPr lang="ru-RU">
-                <a:latin typeface="Times New Roman" panose="02020603050405020304" pitchFamily="18" charset="0"/>
-                <a:cs typeface="Times New Roman" panose="02020603050405020304" pitchFamily="18" charset="0"/>
-              </a:rPr>
-              <a:t>посылок)((</a:t>
-            </a:r>
-            <a:r>
-              <a:rPr lang="ru-RU" dirty="0">
-                <a:latin typeface="Times New Roman" panose="02020603050405020304" pitchFamily="18" charset="0"/>
-                <a:cs typeface="Times New Roman" panose="02020603050405020304" pitchFamily="18" charset="0"/>
-              </a:rPr>
-              <a:t>за </a:t>
-            </a:r>
-            <a:r>
-              <a:rPr lang="ru-RU">
-                <a:latin typeface="Times New Roman" panose="02020603050405020304" pitchFamily="18" charset="0"/>
-                <a:cs typeface="Times New Roman" panose="02020603050405020304" pitchFamily="18" charset="0"/>
-              </a:rPr>
-              <a:t>счет адреса))</a:t>
-            </a:r>
-            <a:endParaRPr lang="ru-RU" dirty="0">
-              <a:latin typeface="Times New Roman" panose="02020603050405020304" pitchFamily="18" charset="0"/>
-              <a:cs typeface="Times New Roman" panose="02020603050405020304" pitchFamily="18" charset="0"/>
-            </a:endParaRPr>
+              <a:t>Имеет доступ почти ко всем страницам пользователей (кроме удаления, изменения посылок и личного чата)((с помощью адресной строки))</a:t>
+            </a:r>
           </a:p>
         </p:txBody>
       </p:sp>
